--- a/2021506043 nan mudhalvan.pptx
+++ b/2021506043 nan mudhalvan.pptx
@@ -120,7 +120,7 @@
   </p:defaultTextStyle>
   <p:extLst>
     <p:ext uri="{EFAFB233-063F-42B5-8137-9DF3F51BA10A}">
-      <p15:sldGuideLst xmlns:p15="http://schemas.microsoft.com/office/powerpoint/2012/main">
+      <p15:sldGuideLst xmlns:p15="http://schemas.microsoft.com/office/powerpoint/2012/main" xmlns="">
         <p15:guide id="1" orient="horz" pos="2880">
           <p15:clr>
             <a:srgbClr val="A4A3A4"/>
@@ -2624,15 +2624,23 @@
               </a:spcBef>
             </a:pPr>
             <a:r>
+              <a:rPr lang="en-IN" spc="15" dirty="0" smtClean="0"/>
+              <a:t>S.LOKESH</a:t>
+            </a:r>
+            <a:r>
               <a:rPr lang="en-IN" spc="15" dirty="0"/>
-              <a:t>S.LOKESH</a:t>
+              <a:t/>
             </a:r>
             <a:br>
               <a:rPr lang="en-IN" spc="15" dirty="0"/>
             </a:br>
             <a:r>
+              <a:rPr lang="en-IN" spc="15" dirty="0" smtClean="0"/>
+              <a:t>2021506043</a:t>
+            </a:r>
+            <a:r>
               <a:rPr lang="en-IN" spc="15" dirty="0"/>
-              <a:t>2021506043</a:t>
+              <a:t/>
             </a:r>
             <a:br>
               <a:rPr lang="en-IN" spc="15" dirty="0"/>
@@ -3373,7 +3381,7 @@
           <p:cNvPr id="11" name="Picture 10">
             <a:extLst>
               <a:ext uri="{FF2B5EF4-FFF2-40B4-BE49-F238E27FC236}">
-                <a16:creationId xmlns:a16="http://schemas.microsoft.com/office/drawing/2014/main" id="{225AD7F1-C29E-DE76-3E76-11A1DFB87841}"/>
+                <a16:creationId xmlns:a16="http://schemas.microsoft.com/office/drawing/2014/main" xmlns="" id="{225AD7F1-C29E-DE76-3E76-11A1DFB87841}"/>
               </a:ext>
             </a:extLst>
           </p:cNvPr>
@@ -3828,7 +3836,7 @@
           <p:cNvPr id="4" name="Picture 3">
             <a:extLst>
               <a:ext uri="{FF2B5EF4-FFF2-40B4-BE49-F238E27FC236}">
-                <a16:creationId xmlns:a16="http://schemas.microsoft.com/office/drawing/2014/main" id="{1E7C44E5-2630-8A9B-761F-0445395D6276}"/>
+                <a16:creationId xmlns:a16="http://schemas.microsoft.com/office/drawing/2014/main" xmlns="" id="{1E7C44E5-2630-8A9B-761F-0445395D6276}"/>
               </a:ext>
             </a:extLst>
           </p:cNvPr>
@@ -4314,7 +4322,7 @@
               </a:spcBef>
             </a:pPr>
             <a:r>
-              <a:rPr lang="en-AU" sz="2000" u="heavy" spc="20" dirty="0">
+              <a:rPr lang="en-AU" sz="2000" u="heavy" spc="20" dirty="0" smtClean="0">
                 <a:solidFill>
                   <a:srgbClr val="006FC0"/>
                 </a:solidFill>
@@ -4340,7 +4348,7 @@
           <p:cNvPr id="11" name="Picture 10">
             <a:extLst>
               <a:ext uri="{FF2B5EF4-FFF2-40B4-BE49-F238E27FC236}">
-                <a16:creationId xmlns:a16="http://schemas.microsoft.com/office/drawing/2014/main" id="{1DD898EF-0CA9-083E-B3C2-08D65C14EBF3}"/>
+                <a16:creationId xmlns:a16="http://schemas.microsoft.com/office/drawing/2014/main" xmlns="" id="{1DD898EF-0CA9-083E-B3C2-08D65C14EBF3}"/>
               </a:ext>
             </a:extLst>
           </p:cNvPr>
@@ -5373,7 +5381,7 @@
           <p:cNvPr id="23" name="object 17">
             <a:extLst>
               <a:ext uri="{FF2B5EF4-FFF2-40B4-BE49-F238E27FC236}">
-                <a16:creationId xmlns:a16="http://schemas.microsoft.com/office/drawing/2014/main" id="{99F040C2-1A50-319E-1B3A-C6A4B5CC324C}"/>
+                <a16:creationId xmlns:a16="http://schemas.microsoft.com/office/drawing/2014/main" xmlns="" id="{99F040C2-1A50-319E-1B3A-C6A4B5CC324C}"/>
               </a:ext>
             </a:extLst>
           </p:cNvPr>
@@ -6592,7 +6600,7 @@
           <p:cNvPr id="24" name="TextBox 23">
             <a:extLst>
               <a:ext uri="{FF2B5EF4-FFF2-40B4-BE49-F238E27FC236}">
-                <a16:creationId xmlns:a16="http://schemas.microsoft.com/office/drawing/2014/main" id="{6FD60143-91A1-BEF0-606A-91B0AED6842F}"/>
+                <a16:creationId xmlns:a16="http://schemas.microsoft.com/office/drawing/2014/main" xmlns="" id="{6FD60143-91A1-BEF0-606A-91B0AED6842F}"/>
               </a:ext>
             </a:extLst>
           </p:cNvPr>
@@ -7243,7 +7251,7 @@
           <p:cNvPr id="12" name="TextBox 11">
             <a:extLst>
               <a:ext uri="{FF2B5EF4-FFF2-40B4-BE49-F238E27FC236}">
-                <a16:creationId xmlns:a16="http://schemas.microsoft.com/office/drawing/2014/main" id="{EC3B3596-2C11-995C-CC1C-925A59CBE16A}"/>
+                <a16:creationId xmlns:a16="http://schemas.microsoft.com/office/drawing/2014/main" xmlns="" id="{EC3B3596-2C11-995C-CC1C-925A59CBE16A}"/>
               </a:ext>
             </a:extLst>
           </p:cNvPr>
@@ -7798,7 +7806,7 @@
           <p:cNvPr id="17" name="Rectangle 6">
             <a:extLst>
               <a:ext uri="{FF2B5EF4-FFF2-40B4-BE49-F238E27FC236}">
-                <a16:creationId xmlns:a16="http://schemas.microsoft.com/office/drawing/2014/main" id="{42A737C2-5950-A311-3BEA-BDDF94D722CF}"/>
+                <a16:creationId xmlns:a16="http://schemas.microsoft.com/office/drawing/2014/main" xmlns="" id="{42A737C2-5950-A311-3BEA-BDDF94D722CF}"/>
               </a:ext>
             </a:extLst>
           </p:cNvPr>
@@ -7874,6 +7882,19 @@
               <a:buNone/>
               <a:tabLst/>
             </a:pPr>
+            <a:r>
+              <a:rPr kumimoji="0" lang="en-US" altLang="en-US" sz="1800" b="0" i="0" u="none" strike="noStrike" cap="none" normalizeH="0" baseline="0">
+                <a:ln>
+                  <a:noFill/>
+                </a:ln>
+                <a:solidFill>
+                  <a:srgbClr val="FFFFFF"/>
+                </a:solidFill>
+                <a:effectLst/>
+                <a:latin typeface="Söhne"/>
+              </a:rPr>
+              <a:t/>
+            </a:r>
             <a:br>
               <a:rPr kumimoji="0" lang="en-US" altLang="en-US" sz="1800" b="0" i="0" u="none" strike="noStrike" cap="none" normalizeH="0" baseline="0">
                 <a:ln>
@@ -7904,7 +7925,7 @@
           <p:cNvPr id="19" name="Rectangle 7">
             <a:extLst>
               <a:ext uri="{FF2B5EF4-FFF2-40B4-BE49-F238E27FC236}">
-                <a16:creationId xmlns:a16="http://schemas.microsoft.com/office/drawing/2014/main" id="{EFF7CD76-CFD4-684B-8D6D-2383F4A8B1BE}"/>
+                <a16:creationId xmlns:a16="http://schemas.microsoft.com/office/drawing/2014/main" xmlns="" id="{EFF7CD76-CFD4-684B-8D6D-2383F4A8B1BE}"/>
               </a:ext>
             </a:extLst>
           </p:cNvPr>
@@ -8158,7 +8179,7 @@
           <p:cNvPr id="20" name="Rectangle 8">
             <a:extLst>
               <a:ext uri="{FF2B5EF4-FFF2-40B4-BE49-F238E27FC236}">
-                <a16:creationId xmlns:a16="http://schemas.microsoft.com/office/drawing/2014/main" id="{AE20D14A-95D1-9A3B-D397-0116240D55B7}"/>
+                <a16:creationId xmlns:a16="http://schemas.microsoft.com/office/drawing/2014/main" xmlns="" id="{AE20D14A-95D1-9A3B-D397-0116240D55B7}"/>
               </a:ext>
             </a:extLst>
           </p:cNvPr>
@@ -8234,6 +8255,19 @@
               <a:buNone/>
               <a:tabLst/>
             </a:pPr>
+            <a:r>
+              <a:rPr kumimoji="0" lang="en-US" altLang="en-US" sz="1800" b="0" i="0" u="none" strike="noStrike" cap="none" normalizeH="0" baseline="0">
+                <a:ln>
+                  <a:noFill/>
+                </a:ln>
+                <a:solidFill>
+                  <a:srgbClr val="FFFFFF"/>
+                </a:solidFill>
+                <a:effectLst/>
+                <a:latin typeface="Söhne"/>
+              </a:rPr>
+              <a:t/>
+            </a:r>
             <a:br>
               <a:rPr kumimoji="0" lang="en-US" altLang="en-US" sz="1800" b="0" i="0" u="none" strike="noStrike" cap="none" normalizeH="0" baseline="0">
                 <a:ln>
@@ -8741,7 +8775,7 @@
           <p:cNvPr id="10" name="TextBox 9">
             <a:extLst>
               <a:ext uri="{FF2B5EF4-FFF2-40B4-BE49-F238E27FC236}">
-                <a16:creationId xmlns:a16="http://schemas.microsoft.com/office/drawing/2014/main" id="{9E1BC896-C853-4E64-4B33-D165A87548BB}"/>
+                <a16:creationId xmlns:a16="http://schemas.microsoft.com/office/drawing/2014/main" xmlns="" id="{9E1BC896-C853-4E64-4B33-D165A87548BB}"/>
               </a:ext>
             </a:extLst>
           </p:cNvPr>
@@ -9425,7 +9459,7 @@
           <p:cNvPr id="11" name="TextBox 10">
             <a:extLst>
               <a:ext uri="{FF2B5EF4-FFF2-40B4-BE49-F238E27FC236}">
-                <a16:creationId xmlns:a16="http://schemas.microsoft.com/office/drawing/2014/main" id="{59EA7F59-0637-41C8-2038-5F679133FC9D}"/>
+                <a16:creationId xmlns:a16="http://schemas.microsoft.com/office/drawing/2014/main" xmlns="" id="{59EA7F59-0637-41C8-2038-5F679133FC9D}"/>
               </a:ext>
             </a:extLst>
           </p:cNvPr>
@@ -10017,7 +10051,7 @@
           <p:cNvPr id="10" name="TextBox 9">
             <a:extLst>
               <a:ext uri="{FF2B5EF4-FFF2-40B4-BE49-F238E27FC236}">
-                <a16:creationId xmlns:a16="http://schemas.microsoft.com/office/drawing/2014/main" id="{0DA07253-6677-FCF4-7CB9-61EA1E520168}"/>
+                <a16:creationId xmlns:a16="http://schemas.microsoft.com/office/drawing/2014/main" xmlns="" id="{0DA07253-6677-FCF4-7CB9-61EA1E520168}"/>
               </a:ext>
             </a:extLst>
           </p:cNvPr>
@@ -10631,7 +10665,7 @@
           <p:cNvPr id="11" name="Picture 10">
             <a:extLst>
               <a:ext uri="{FF2B5EF4-FFF2-40B4-BE49-F238E27FC236}">
-                <a16:creationId xmlns:a16="http://schemas.microsoft.com/office/drawing/2014/main" id="{97542F74-E52E-BFDD-F59F-0BD9B67BE313}"/>
+                <a16:creationId xmlns:a16="http://schemas.microsoft.com/office/drawing/2014/main" xmlns="" id="{97542F74-E52E-BFDD-F59F-0BD9B67BE313}"/>
               </a:ext>
             </a:extLst>
           </p:cNvPr>
@@ -10990,7 +11024,7 @@
     </a:clrScheme>
     <a:fontScheme name="Office">
       <a:majorFont>
-        <a:latin typeface="Calibri Light" panose="020F0302020204030204"/>
+        <a:latin typeface="Calibri Light"/>
         <a:ea typeface=""/>
         <a:cs typeface=""/>
         <a:font script="Jpan" typeface="游ゴシック Light"/>
@@ -11042,7 +11076,7 @@
         <a:font script="Tfng" typeface="Ebrima"/>
       </a:majorFont>
       <a:minorFont>
-        <a:latin typeface="Calibri" panose="020F0502020204030204"/>
+        <a:latin typeface="Calibri"/>
         <a:ea typeface=""/>
         <a:cs typeface=""/>
         <a:font script="Jpan" typeface="游ゴシック"/>
@@ -11236,7 +11270,7 @@
   <a:extraClrSchemeLst/>
   <a:extLst>
     <a:ext uri="{05A4C25C-085E-4340-85A3-A5531E510DB2}">
-      <thm15:themeFamily xmlns:thm15="http://schemas.microsoft.com/office/thememl/2012/main" name="Office Theme" id="{62F939B6-93AF-4DB8-9C6B-D6C7DFDC589F}" vid="{4A3C46E8-61CC-4603-A589-7422A47A8E4A}"/>
+      <thm15:themeFamily xmlns:thm15="http://schemas.microsoft.com/office/thememl/2012/main" xmlns="" name="Office Theme" id="{62F939B6-93AF-4DB8-9C6B-D6C7DFDC589F}" vid="{4A3C46E8-61CC-4603-A589-7422A47A8E4A}"/>
     </a:ext>
   </a:extLst>
 </a:theme>
